--- a/0212_Stock/PSO+RLSE.pptx
+++ b/0212_Stock/PSO+RLSE.pptx
@@ -264,7 +264,7 @@
           <a:p>
             <a:fld id="{48A87A34-81AB-432B-8DAE-1953F412C126}" type="datetimeFigureOut">
               <a:rPr lang="en-US" dirty="0"/>
-              <a:t>2/15/2017</a:t>
+              <a:t>2/19/2017</a:t>
             </a:fld>
             <a:endParaRPr lang="en-US" dirty="0"/>
           </a:p>
@@ -470,7 +470,7 @@
           <a:p>
             <a:fld id="{48A87A34-81AB-432B-8DAE-1953F412C126}" type="datetimeFigureOut">
               <a:rPr lang="en-US" dirty="0"/>
-              <a:t>2/15/2017</a:t>
+              <a:t>2/19/2017</a:t>
             </a:fld>
             <a:endParaRPr lang="en-US" dirty="0"/>
           </a:p>
@@ -680,7 +680,7 @@
           <a:p>
             <a:fld id="{48A87A34-81AB-432B-8DAE-1953F412C126}" type="datetimeFigureOut">
               <a:rPr lang="en-US" dirty="0"/>
-              <a:t>2/15/2017</a:t>
+              <a:t>2/19/2017</a:t>
             </a:fld>
             <a:endParaRPr lang="en-US" dirty="0"/>
           </a:p>
@@ -876,7 +876,7 @@
           <a:p>
             <a:fld id="{48A87A34-81AB-432B-8DAE-1953F412C126}" type="datetimeFigureOut">
               <a:rPr lang="en-US" dirty="0"/>
-              <a:t>2/15/2017</a:t>
+              <a:t>2/19/2017</a:t>
             </a:fld>
             <a:endParaRPr lang="en-US" dirty="0"/>
           </a:p>
@@ -1150,7 +1150,7 @@
           <a:p>
             <a:fld id="{48A87A34-81AB-432B-8DAE-1953F412C126}" type="datetimeFigureOut">
               <a:rPr lang="en-US" dirty="0"/>
-              <a:t>2/15/2017</a:t>
+              <a:t>2/19/2017</a:t>
             </a:fld>
             <a:endParaRPr lang="en-US" dirty="0"/>
           </a:p>
@@ -1413,7 +1413,7 @@
           <a:p>
             <a:fld id="{48A87A34-81AB-432B-8DAE-1953F412C126}" type="datetimeFigureOut">
               <a:rPr lang="en-US" dirty="0"/>
-              <a:t>2/15/2017</a:t>
+              <a:t>2/19/2017</a:t>
             </a:fld>
             <a:endParaRPr lang="en-US" dirty="0"/>
           </a:p>
@@ -1824,7 +1824,7 @@
           <a:p>
             <a:fld id="{48A87A34-81AB-432B-8DAE-1953F412C126}" type="datetimeFigureOut">
               <a:rPr lang="en-US" dirty="0"/>
-              <a:t>2/15/2017</a:t>
+              <a:t>2/19/2017</a:t>
             </a:fld>
             <a:endParaRPr lang="en-US" dirty="0"/>
           </a:p>
@@ -1968,7 +1968,7 @@
           <a:p>
             <a:fld id="{48A87A34-81AB-432B-8DAE-1953F412C126}" type="datetimeFigureOut">
               <a:rPr lang="en-US" dirty="0"/>
-              <a:t>2/15/2017</a:t>
+              <a:t>2/19/2017</a:t>
             </a:fld>
             <a:endParaRPr lang="en-US" dirty="0"/>
           </a:p>
@@ -2089,7 +2089,7 @@
           <a:p>
             <a:fld id="{48A87A34-81AB-432B-8DAE-1953F412C126}" type="datetimeFigureOut">
               <a:rPr lang="en-US" dirty="0"/>
-              <a:t>2/15/2017</a:t>
+              <a:t>2/19/2017</a:t>
             </a:fld>
             <a:endParaRPr lang="en-US" dirty="0"/>
           </a:p>
@@ -2335,7 +2335,7 @@
           <a:p>
             <a:fld id="{48A87A34-81AB-432B-8DAE-1953F412C126}" type="datetimeFigureOut">
               <a:rPr lang="en-US" dirty="0"/>
-              <a:t>2/15/2017</a:t>
+              <a:t>2/19/2017</a:t>
             </a:fld>
             <a:endParaRPr lang="en-US" dirty="0"/>
           </a:p>
@@ -2776,7 +2776,7 @@
             <a:fld id="{48A87A34-81AB-432B-8DAE-1953F412C126}" type="datetimeFigureOut">
               <a:rPr lang="en-US" dirty="0"/>
               <a:pPr/>
-              <a:t>2/15/2017</a:t>
+              <a:t>2/19/2017</a:t>
             </a:fld>
             <a:endParaRPr lang="en-US" dirty="0"/>
           </a:p>
@@ -3098,7 +3098,7 @@
             <a:fld id="{48A87A34-81AB-432B-8DAE-1953F412C126}" type="datetimeFigureOut">
               <a:rPr lang="en-US" dirty="0"/>
               <a:pPr/>
-              <a:t>2/15/2017</a:t>
+              <a:t>2/19/2017</a:t>
             </a:fld>
             <a:endParaRPr lang="en-US" dirty="0"/>
           </a:p>
@@ -3743,8 +3743,8 @@
           </a:p>
         </p:txBody>
       </p:sp>
-      <mc:AlternateContent xmlns:mc="http://schemas.openxmlformats.org/markup-compatibility/2006">
-        <mc:Choice xmlns:a14="http://schemas.microsoft.com/office/drawing/2010/main" Requires="a14">
+      <mc:AlternateContent xmlns:mc="http://schemas.openxmlformats.org/markup-compatibility/2006" xmlns:a14="http://schemas.microsoft.com/office/drawing/2010/main">
+        <mc:Choice Requires="a14">
           <p:graphicFrame>
             <p:nvGraphicFramePr>
               <p:cNvPr id="4" name="內容版面配置區 3"/>
@@ -4152,7 +4152,7 @@
             </a:graphic>
           </p:graphicFrame>
         </mc:Choice>
-        <mc:Fallback>
+        <mc:Fallback xmlns="">
           <p:graphicFrame>
             <p:nvGraphicFramePr>
               <p:cNvPr id="4" name="內容版面配置區 3"/>
@@ -5369,11 +5369,7 @@
           <a:p>
             <a:r>
               <a:rPr lang="en-US" dirty="0" smtClean="0"/>
-              <a:t>Learning </a:t>
-            </a:r>
-            <a:r>
-              <a:rPr lang="en-US" dirty="0" smtClean="0"/>
-              <a:t>curve(^TWII)</a:t>
+              <a:t>Learning curve(^TWII)</a:t>
             </a:r>
             <a:endParaRPr lang="en-US" dirty="0"/>
           </a:p>
@@ -5405,7 +5401,6 @@
               <a:rPr lang="en-US" dirty="0"/>
               <a:t>RMSE=71.4782</a:t>
             </a:r>
-            <a:endParaRPr lang="en-US" dirty="0"/>
           </a:p>
         </p:txBody>
       </p:sp>
@@ -5550,7 +5545,6 @@
               <a:rPr lang="en-US" dirty="0"/>
               <a:t>GSPC)</a:t>
             </a:r>
-            <a:endParaRPr lang="en-US" dirty="0"/>
           </a:p>
         </p:txBody>
       </p:sp>
@@ -5682,19 +5676,7 @@
           <a:p>
             <a:r>
               <a:rPr lang="en-US" dirty="0" smtClean="0"/>
-              <a:t>Learning </a:t>
-            </a:r>
-            <a:r>
-              <a:rPr lang="en-US" dirty="0" smtClean="0"/>
-              <a:t>curve(^</a:t>
-            </a:r>
-            <a:r>
-              <a:rPr lang="en-US" dirty="0" smtClean="0"/>
-              <a:t>GSPC</a:t>
-            </a:r>
-            <a:r>
-              <a:rPr lang="en-US" dirty="0" smtClean="0"/>
-              <a:t>)</a:t>
+              <a:t>Learning curve(^GSPC)</a:t>
             </a:r>
             <a:endParaRPr lang="en-US" dirty="0"/>
           </a:p>
@@ -7078,8 +7060,8 @@
           </a:p>
         </p:txBody>
       </p:sp>
-      <mc:AlternateContent xmlns:mc="http://schemas.openxmlformats.org/markup-compatibility/2006">
-        <mc:Choice xmlns:a14="http://schemas.microsoft.com/office/drawing/2010/main" Requires="a14">
+      <mc:AlternateContent xmlns:mc="http://schemas.openxmlformats.org/markup-compatibility/2006" xmlns:a14="http://schemas.microsoft.com/office/drawing/2010/main">
+        <mc:Choice Requires="a14">
           <p:sp>
             <p:nvSpPr>
               <p:cNvPr id="7" name="文字方塊 6"/>
@@ -7204,18 +7186,13 @@
                 </a14:m>
                 <a:r>
                   <a:rPr lang="en-US" altLang="zh-TW" sz="3200" dirty="0" smtClean="0"/>
-                  <a:t>=1,2,…,</a:t>
+                  <a:t>=1,2,…,252}</a:t>
                 </a:r>
-                <a:r>
-                  <a:rPr lang="en-US" altLang="zh-TW" sz="3200" dirty="0" smtClean="0"/>
-                  <a:t>252}</a:t>
-                </a:r>
-                <a:endParaRPr lang="en-US" altLang="zh-TW" sz="3200" dirty="0" smtClean="0"/>
               </a:p>
             </p:txBody>
           </p:sp>
         </mc:Choice>
-        <mc:Fallback>
+        <mc:Fallback xmlns="">
           <p:sp>
             <p:nvSpPr>
               <p:cNvPr id="7" name="文字方塊 6"/>
@@ -13032,7 +13009,7 @@
               <p:nvPr>
                 <p:extLst>
                   <p:ext uri="{D42A27DB-BD31-4B8C-83A1-F6EECF244321}">
-                    <p14:modId xmlns:p14="http://schemas.microsoft.com/office/powerpoint/2010/main" val="1612933024"/>
+                    <p14:modId xmlns:p14="http://schemas.microsoft.com/office/powerpoint/2010/main" val="2204120368"/>
                   </p:ext>
                 </p:extLst>
               </p:nvPr>
@@ -13704,8 +13681,103 @@
                             <a:defRPr/>
                           </a:pPr>
                           <a:r>
-                            <a:rPr lang="en-US" altLang="zh-TW" dirty="0" smtClean="0"/>
-                            <a:t>Rand in[0,1] *(</a:t>
+                            <a:rPr lang="en-US" altLang="zh-TW" sz="1800" b="0" i="0" u="none" strike="noStrike" kern="1200" baseline="0" dirty="0" err="1" smtClean="0">
+                              <a:solidFill>
+                                <a:schemeClr val="tx1"/>
+                              </a:solidFill>
+                              <a:latin typeface="+mn-lt"/>
+                              <a:ea typeface="+mn-ea"/>
+                              <a:cs typeface="+mn-cs"/>
+                            </a:rPr>
+                            <a:t>yMean</a:t>
+                          </a:r>
+                          <a:r>
+                            <a:rPr lang="en-US" altLang="zh-TW" sz="1800" b="0" i="0" u="none" strike="noStrike" kern="1200" baseline="0" dirty="0" smtClean="0">
+                              <a:solidFill>
+                                <a:schemeClr val="tx1"/>
+                              </a:solidFill>
+                              <a:latin typeface="+mn-lt"/>
+                              <a:ea typeface="+mn-ea"/>
+                              <a:cs typeface="+mn-cs"/>
+                            </a:rPr>
+                            <a:t> </a:t>
+                          </a:r>
+                          <a:r>
+                            <a:rPr lang="en-US" altLang="zh-TW" sz="1800" b="0" i="0" u="none" strike="noStrike" kern="1200" baseline="0" dirty="0" smtClean="0">
+                              <a:solidFill>
+                                <a:schemeClr val="tx1"/>
+                              </a:solidFill>
+                              <a:latin typeface="+mn-lt"/>
+                              <a:ea typeface="+mn-ea"/>
+                              <a:cs typeface="+mn-cs"/>
+                            </a:rPr>
+                            <a:t>± </a:t>
+                          </a:r>
+                          <a:r>
+                            <a:rPr lang="en-US" altLang="zh-TW" sz="1800" b="0" i="0" u="none" strike="noStrike" kern="1200" baseline="0" dirty="0" smtClean="0">
+                              <a:solidFill>
+                                <a:schemeClr val="tx1"/>
+                              </a:solidFill>
+                              <a:latin typeface="+mn-lt"/>
+                              <a:ea typeface="+mn-ea"/>
+                              <a:cs typeface="+mn-cs"/>
+                            </a:rPr>
+                            <a:t>2*</a:t>
+                          </a:r>
+                          <a:r>
+                            <a:rPr lang="en-US" altLang="zh-TW" sz="1800" b="0" i="0" u="none" strike="noStrike" kern="1200" baseline="0" dirty="0" err="1" smtClean="0">
+                              <a:solidFill>
+                                <a:schemeClr val="tx1"/>
+                              </a:solidFill>
+                              <a:latin typeface="+mn-lt"/>
+                              <a:ea typeface="+mn-ea"/>
+                              <a:cs typeface="+mn-cs"/>
+                            </a:rPr>
+                            <a:t>yStd</a:t>
+                          </a:r>
+                          <a:r>
+                            <a:rPr lang="en-US" altLang="zh-TW" sz="1800" b="0" i="0" u="none" strike="noStrike" kern="1200" baseline="0" dirty="0" smtClean="0">
+                              <a:solidFill>
+                                <a:schemeClr val="tx1"/>
+                              </a:solidFill>
+                              <a:latin typeface="+mn-lt"/>
+                              <a:ea typeface="+mn-ea"/>
+                              <a:cs typeface="+mn-cs"/>
+                            </a:rPr>
+                            <a:t>    </a:t>
+                          </a:r>
+                          <a:r>
+                            <a:rPr lang="en-US" altLang="zh-TW" sz="1800" b="0" i="0" u="none" strike="noStrike" kern="1200" baseline="0" dirty="0" smtClean="0">
+                              <a:solidFill>
+                                <a:schemeClr val="tx1"/>
+                              </a:solidFill>
+                              <a:latin typeface="+mn-lt"/>
+                              <a:ea typeface="+mn-ea"/>
+                              <a:cs typeface="+mn-cs"/>
+                            </a:rPr>
+                            <a:t>+ </a:t>
+                          </a:r>
+                          <a:r>
+                            <a:rPr lang="zh-TW" altLang="en-US" sz="1800" b="0" i="0" u="none" strike="noStrike" kern="1200" baseline="0" dirty="0" smtClean="0">
+                              <a:solidFill>
+                                <a:schemeClr val="tx1"/>
+                              </a:solidFill>
+                              <a:latin typeface="+mn-lt"/>
+                              <a:ea typeface="+mn-ea"/>
+                              <a:cs typeface="+mn-cs"/>
+                            </a:rPr>
+                            <a:t> </a:t>
+                          </a:r>
+                          <a:r>
+                            <a:rPr lang="en-US" altLang="zh-TW" sz="1800" b="0" i="0" u="none" strike="noStrike" kern="1200" baseline="0" dirty="0" smtClean="0">
+                              <a:solidFill>
+                                <a:schemeClr val="tx1"/>
+                              </a:solidFill>
+                              <a:latin typeface="+mn-lt"/>
+                              <a:ea typeface="+mn-ea"/>
+                              <a:cs typeface="+mn-cs"/>
+                            </a:rPr>
+                            <a:t>(</a:t>
                           </a:r>
                           <a:r>
                             <a:rPr lang="en-US" altLang="zh-TW" sz="1800" b="0" i="0" u="none" strike="noStrike" kern="1200" baseline="0" dirty="0" err="1" smtClean="0">
@@ -13727,7 +13799,18 @@
                               <a:ea typeface="+mn-ea"/>
                               <a:cs typeface="+mn-cs"/>
                             </a:rPr>
-                            <a:t> ± 2*</a:t>
+                            <a:t> </a:t>
+                          </a:r>
+                          <a:r>
+                            <a:rPr lang="en-US" altLang="zh-TW" sz="1800" b="0" i="0" u="none" strike="noStrike" kern="1200" baseline="0" dirty="0" smtClean="0">
+                              <a:solidFill>
+                                <a:schemeClr val="tx1"/>
+                              </a:solidFill>
+                              <a:latin typeface="+mn-lt"/>
+                              <a:ea typeface="+mn-ea"/>
+                              <a:cs typeface="+mn-cs"/>
+                            </a:rPr>
+                            <a:t>± 2*</a:t>
                           </a:r>
                           <a:r>
                             <a:rPr lang="en-US" altLang="zh-TW" sz="1800" b="0" i="0" u="none" strike="noStrike" kern="1200" baseline="0" dirty="0" err="1" smtClean="0">
@@ -13749,22 +13832,7 @@
                               <a:ea typeface="+mn-ea"/>
                               <a:cs typeface="+mn-cs"/>
                             </a:rPr>
-                            <a:t>)    +  </a:t>
-                          </a:r>
-                          <a:r>
-                            <a:rPr lang="en-US" altLang="zh-TW" dirty="0" smtClean="0"/>
-                            <a:t>Rand in[0,1] *( </a:t>
-                          </a:r>
-                          <a:r>
-                            <a:rPr lang="en-US" altLang="zh-TW" sz="1800" b="0" i="0" u="none" strike="noStrike" kern="1200" baseline="0" dirty="0" err="1" smtClean="0">
-                              <a:solidFill>
-                                <a:schemeClr val="tx1"/>
-                              </a:solidFill>
-                              <a:latin typeface="+mn-lt"/>
-                              <a:ea typeface="+mn-ea"/>
-                              <a:cs typeface="+mn-cs"/>
-                            </a:rPr>
-                            <a:t>yMean</a:t>
+                            <a:t> </a:t>
                           </a:r>
                           <a:r>
                             <a:rPr lang="en-US" altLang="zh-TW" sz="1800" b="0" i="0" u="none" strike="noStrike" kern="1200" baseline="0" dirty="0" smtClean="0">
@@ -13775,29 +13843,7 @@
                               <a:ea typeface="+mn-ea"/>
                               <a:cs typeface="+mn-cs"/>
                             </a:rPr>
-                            <a:t> ± 2*</a:t>
-                          </a:r>
-                          <a:r>
-                            <a:rPr lang="en-US" altLang="zh-TW" sz="1800" b="0" i="0" u="none" strike="noStrike" kern="1200" baseline="0" dirty="0" err="1" smtClean="0">
-                              <a:solidFill>
-                                <a:schemeClr val="tx1"/>
-                              </a:solidFill>
-                              <a:latin typeface="+mn-lt"/>
-                              <a:ea typeface="+mn-ea"/>
-                              <a:cs typeface="+mn-cs"/>
-                            </a:rPr>
-                            <a:t>yStd</a:t>
-                          </a:r>
-                          <a:r>
-                            <a:rPr lang="en-US" altLang="zh-TW" sz="1800" b="0" i="0" u="none" strike="noStrike" kern="1200" baseline="0" dirty="0" smtClean="0">
-                              <a:solidFill>
-                                <a:schemeClr val="tx1"/>
-                              </a:solidFill>
-                              <a:latin typeface="+mn-lt"/>
-                              <a:ea typeface="+mn-ea"/>
-                              <a:cs typeface="+mn-cs"/>
-                            </a:rPr>
-                            <a:t> )*</a:t>
+                            <a:t>)*</a:t>
                           </a:r>
                           <a:r>
                             <a:rPr lang="en-US" altLang="zh-TW" sz="1800" b="0" i="0" u="none" strike="noStrike" kern="1200" baseline="0" dirty="0" err="1" smtClean="0">
@@ -13969,7 +14015,7 @@
               <p:nvPr>
                 <p:extLst>
                   <p:ext uri="{D42A27DB-BD31-4B8C-83A1-F6EECF244321}">
-                    <p14:modId xmlns:p14="http://schemas.microsoft.com/office/powerpoint/2010/main" val="1612933024"/>
+                    <p14:modId xmlns:p14="http://schemas.microsoft.com/office/powerpoint/2010/main" val="2204120368"/>
                   </p:ext>
                 </p:extLst>
               </p:nvPr>
@@ -14498,8 +14544,103 @@
                             <a:defRPr/>
                           </a:pPr>
                           <a:r>
-                            <a:rPr lang="en-US" altLang="zh-TW" dirty="0" smtClean="0"/>
-                            <a:t>Rand in[0,1] *(</a:t>
+                            <a:rPr lang="en-US" altLang="zh-TW" sz="1800" b="0" i="0" u="none" strike="noStrike" kern="1200" baseline="0" dirty="0" err="1" smtClean="0">
+                              <a:solidFill>
+                                <a:schemeClr val="tx1"/>
+                              </a:solidFill>
+                              <a:latin typeface="+mn-lt"/>
+                              <a:ea typeface="+mn-ea"/>
+                              <a:cs typeface="+mn-cs"/>
+                            </a:rPr>
+                            <a:t>yMean</a:t>
+                          </a:r>
+                          <a:r>
+                            <a:rPr lang="en-US" altLang="zh-TW" sz="1800" b="0" i="0" u="none" strike="noStrike" kern="1200" baseline="0" dirty="0" smtClean="0">
+                              <a:solidFill>
+                                <a:schemeClr val="tx1"/>
+                              </a:solidFill>
+                              <a:latin typeface="+mn-lt"/>
+                              <a:ea typeface="+mn-ea"/>
+                              <a:cs typeface="+mn-cs"/>
+                            </a:rPr>
+                            <a:t> </a:t>
+                          </a:r>
+                          <a:r>
+                            <a:rPr lang="en-US" altLang="zh-TW" sz="1800" b="0" i="0" u="none" strike="noStrike" kern="1200" baseline="0" dirty="0" smtClean="0">
+                              <a:solidFill>
+                                <a:schemeClr val="tx1"/>
+                              </a:solidFill>
+                              <a:latin typeface="+mn-lt"/>
+                              <a:ea typeface="+mn-ea"/>
+                              <a:cs typeface="+mn-cs"/>
+                            </a:rPr>
+                            <a:t>± </a:t>
+                          </a:r>
+                          <a:r>
+                            <a:rPr lang="en-US" altLang="zh-TW" sz="1800" b="0" i="0" u="none" strike="noStrike" kern="1200" baseline="0" dirty="0" smtClean="0">
+                              <a:solidFill>
+                                <a:schemeClr val="tx1"/>
+                              </a:solidFill>
+                              <a:latin typeface="+mn-lt"/>
+                              <a:ea typeface="+mn-ea"/>
+                              <a:cs typeface="+mn-cs"/>
+                            </a:rPr>
+                            <a:t>2*</a:t>
+                          </a:r>
+                          <a:r>
+                            <a:rPr lang="en-US" altLang="zh-TW" sz="1800" b="0" i="0" u="none" strike="noStrike" kern="1200" baseline="0" dirty="0" err="1" smtClean="0">
+                              <a:solidFill>
+                                <a:schemeClr val="tx1"/>
+                              </a:solidFill>
+                              <a:latin typeface="+mn-lt"/>
+                              <a:ea typeface="+mn-ea"/>
+                              <a:cs typeface="+mn-cs"/>
+                            </a:rPr>
+                            <a:t>yStd</a:t>
+                          </a:r>
+                          <a:r>
+                            <a:rPr lang="en-US" altLang="zh-TW" sz="1800" b="0" i="0" u="none" strike="noStrike" kern="1200" baseline="0" dirty="0" smtClean="0">
+                              <a:solidFill>
+                                <a:schemeClr val="tx1"/>
+                              </a:solidFill>
+                              <a:latin typeface="+mn-lt"/>
+                              <a:ea typeface="+mn-ea"/>
+                              <a:cs typeface="+mn-cs"/>
+                            </a:rPr>
+                            <a:t>    </a:t>
+                          </a:r>
+                          <a:r>
+                            <a:rPr lang="en-US" altLang="zh-TW" sz="1800" b="0" i="0" u="none" strike="noStrike" kern="1200" baseline="0" dirty="0" smtClean="0">
+                              <a:solidFill>
+                                <a:schemeClr val="tx1"/>
+                              </a:solidFill>
+                              <a:latin typeface="+mn-lt"/>
+                              <a:ea typeface="+mn-ea"/>
+                              <a:cs typeface="+mn-cs"/>
+                            </a:rPr>
+                            <a:t>+ </a:t>
+                          </a:r>
+                          <a:r>
+                            <a:rPr lang="zh-TW" altLang="en-US" sz="1800" b="0" i="0" u="none" strike="noStrike" kern="1200" baseline="0" dirty="0" smtClean="0">
+                              <a:solidFill>
+                                <a:schemeClr val="tx1"/>
+                              </a:solidFill>
+                              <a:latin typeface="+mn-lt"/>
+                              <a:ea typeface="+mn-ea"/>
+                              <a:cs typeface="+mn-cs"/>
+                            </a:rPr>
+                            <a:t> </a:t>
+                          </a:r>
+                          <a:r>
+                            <a:rPr lang="en-US" altLang="zh-TW" sz="1800" b="0" i="0" u="none" strike="noStrike" kern="1200" baseline="0" dirty="0" smtClean="0">
+                              <a:solidFill>
+                                <a:schemeClr val="tx1"/>
+                              </a:solidFill>
+                              <a:latin typeface="+mn-lt"/>
+                              <a:ea typeface="+mn-ea"/>
+                              <a:cs typeface="+mn-cs"/>
+                            </a:rPr>
+                            <a:t>(</a:t>
                           </a:r>
                           <a:r>
                             <a:rPr lang="en-US" altLang="zh-TW" sz="1800" b="0" i="0" u="none" strike="noStrike" kern="1200" baseline="0" dirty="0" err="1" smtClean="0">
@@ -14521,7 +14662,18 @@
                               <a:ea typeface="+mn-ea"/>
                               <a:cs typeface="+mn-cs"/>
                             </a:rPr>
-                            <a:t> ± 2*</a:t>
+                            <a:t> </a:t>
+                          </a:r>
+                          <a:r>
+                            <a:rPr lang="en-US" altLang="zh-TW" sz="1800" b="0" i="0" u="none" strike="noStrike" kern="1200" baseline="0" dirty="0" smtClean="0">
+                              <a:solidFill>
+                                <a:schemeClr val="tx1"/>
+                              </a:solidFill>
+                              <a:latin typeface="+mn-lt"/>
+                              <a:ea typeface="+mn-ea"/>
+                              <a:cs typeface="+mn-cs"/>
+                            </a:rPr>
+                            <a:t>± 2*</a:t>
                           </a:r>
                           <a:r>
                             <a:rPr lang="en-US" altLang="zh-TW" sz="1800" b="0" i="0" u="none" strike="noStrike" kern="1200" baseline="0" dirty="0" err="1" smtClean="0">
@@ -14543,22 +14695,7 @@
                               <a:ea typeface="+mn-ea"/>
                               <a:cs typeface="+mn-cs"/>
                             </a:rPr>
-                            <a:t>)    +  </a:t>
-                          </a:r>
-                          <a:r>
-                            <a:rPr lang="en-US" altLang="zh-TW" dirty="0" smtClean="0"/>
-                            <a:t>Rand in[0,1] *( </a:t>
-                          </a:r>
-                          <a:r>
-                            <a:rPr lang="en-US" altLang="zh-TW" sz="1800" b="0" i="0" u="none" strike="noStrike" kern="1200" baseline="0" dirty="0" err="1" smtClean="0">
-                              <a:solidFill>
-                                <a:schemeClr val="tx1"/>
-                              </a:solidFill>
-                              <a:latin typeface="+mn-lt"/>
-                              <a:ea typeface="+mn-ea"/>
-                              <a:cs typeface="+mn-cs"/>
-                            </a:rPr>
-                            <a:t>yMean</a:t>
+                            <a:t> </a:t>
                           </a:r>
                           <a:r>
                             <a:rPr lang="en-US" altLang="zh-TW" sz="1800" b="0" i="0" u="none" strike="noStrike" kern="1200" baseline="0" dirty="0" smtClean="0">
@@ -14569,29 +14706,7 @@
                               <a:ea typeface="+mn-ea"/>
                               <a:cs typeface="+mn-cs"/>
                             </a:rPr>
-                            <a:t> ± 2*</a:t>
-                          </a:r>
-                          <a:r>
-                            <a:rPr lang="en-US" altLang="zh-TW" sz="1800" b="0" i="0" u="none" strike="noStrike" kern="1200" baseline="0" dirty="0" err="1" smtClean="0">
-                              <a:solidFill>
-                                <a:schemeClr val="tx1"/>
-                              </a:solidFill>
-                              <a:latin typeface="+mn-lt"/>
-                              <a:ea typeface="+mn-ea"/>
-                              <a:cs typeface="+mn-cs"/>
-                            </a:rPr>
-                            <a:t>yStd</a:t>
-                          </a:r>
-                          <a:r>
-                            <a:rPr lang="en-US" altLang="zh-TW" sz="1800" b="0" i="0" u="none" strike="noStrike" kern="1200" baseline="0" dirty="0" smtClean="0">
-                              <a:solidFill>
-                                <a:schemeClr val="tx1"/>
-                              </a:solidFill>
-                              <a:latin typeface="+mn-lt"/>
-                              <a:ea typeface="+mn-ea"/>
-                              <a:cs typeface="+mn-cs"/>
-                            </a:rPr>
-                            <a:t> )*</a:t>
+                            <a:t>)*</a:t>
                           </a:r>
                           <a:r>
                             <a:rPr lang="en-US" altLang="zh-TW" sz="1800" b="0" i="0" u="none" strike="noStrike" kern="1200" baseline="0" dirty="0" err="1" smtClean="0">
@@ -14949,8 +15064,8 @@
           <a:chExt cx="0" cy="0"/>
         </a:xfrm>
       </p:grpSpPr>
-      <mc:AlternateContent xmlns:mc="http://schemas.openxmlformats.org/markup-compatibility/2006" xmlns:a14="http://schemas.microsoft.com/office/drawing/2010/main">
-        <mc:Choice Requires="a14">
+      <mc:AlternateContent xmlns:mc="http://schemas.openxmlformats.org/markup-compatibility/2006">
+        <mc:Choice xmlns:a14="http://schemas.microsoft.com/office/drawing/2010/main" Requires="a14">
           <p:graphicFrame>
             <p:nvGraphicFramePr>
               <p:cNvPr id="8" name="表格 7"/>
@@ -14960,14 +15075,14 @@
               <p:nvPr>
                 <p:extLst>
                   <p:ext uri="{D42A27DB-BD31-4B8C-83A1-F6EECF244321}">
-                    <p14:modId xmlns:p14="http://schemas.microsoft.com/office/powerpoint/2010/main" val="681320985"/>
+                    <p14:modId xmlns:p14="http://schemas.microsoft.com/office/powerpoint/2010/main" val="1927779588"/>
                   </p:ext>
                 </p:extLst>
               </p:nvPr>
             </p:nvGraphicFramePr>
             <p:xfrm>
               <a:off x="1469297" y="1352511"/>
-              <a:ext cx="9658904" cy="2485030"/>
+              <a:ext cx="9658904" cy="3976048"/>
             </p:xfrm>
             <a:graphic>
               <a:graphicData uri="http://schemas.openxmlformats.org/drawingml/2006/table">
@@ -15678,12 +15793,405 @@
                       </a:ext>
                     </a:extLst>
                   </a:tr>
+                  <a:tr h="497006">
+                    <a:tc>
+                      <a:txBody>
+                        <a:bodyPr/>
+                        <a:lstStyle/>
+                        <a:p>
+                          <a:pPr marL="0" marR="0" indent="0" algn="ctr" defTabSz="914400" rtl="0" eaLnBrk="1" fontAlgn="auto" latinLnBrk="0" hangingPunct="1">
+                            <a:lnSpc>
+                              <a:spcPct val="100000"/>
+                            </a:lnSpc>
+                            <a:spcBef>
+                              <a:spcPts val="0"/>
+                            </a:spcBef>
+                            <a:spcAft>
+                              <a:spcPts val="0"/>
+                            </a:spcAft>
+                            <a:buClrTx/>
+                            <a:buSzTx/>
+                            <a:buFontTx/>
+                            <a:buNone/>
+                            <a:tabLst/>
+                            <a:defRPr/>
+                          </a:pPr>
+                          <a:r>
+                            <a:rPr lang="en-US" altLang="zh-TW" dirty="0" smtClean="0"/>
+                            <a:t>Rule5</a:t>
+                          </a:r>
+                          <a:endParaRPr lang="zh-TW" altLang="en-US" dirty="0" smtClean="0"/>
+                        </a:p>
+                      </a:txBody>
+                      <a:tcPr/>
+                    </a:tc>
+                    <a:tc>
+                      <a:txBody>
+                        <a:bodyPr/>
+                        <a:lstStyle/>
+                        <a:p>
+                          <a:pPr marL="0" marR="0" indent="0" algn="ctr" defTabSz="914400" rtl="0" eaLnBrk="1" fontAlgn="auto" latinLnBrk="0" hangingPunct="1">
+                            <a:lnSpc>
+                              <a:spcPct val="100000"/>
+                            </a:lnSpc>
+                            <a:spcBef>
+                              <a:spcPts val="0"/>
+                            </a:spcBef>
+                            <a:spcAft>
+                              <a:spcPts val="0"/>
+                            </a:spcAft>
+                            <a:buClrTx/>
+                            <a:buSzTx/>
+                            <a:buFontTx/>
+                            <a:buNone/>
+                            <a:tabLst/>
+                            <a:defRPr/>
+                          </a:pPr>
+                          <a:r>
+                            <a:rPr lang="en-US" altLang="zh-TW" dirty="0" smtClean="0"/>
+                            <a:t>0</a:t>
+                          </a:r>
+                          <a:endParaRPr lang="zh-TW" altLang="en-US" dirty="0" smtClean="0"/>
+                        </a:p>
+                      </a:txBody>
+                      <a:tcPr/>
+                    </a:tc>
+                    <a:tc>
+                      <a:txBody>
+                        <a:bodyPr/>
+                        <a:lstStyle/>
+                        <a:p>
+                          <a:pPr marL="0" marR="0" indent="0" algn="ctr" defTabSz="914400" rtl="0" eaLnBrk="1" fontAlgn="auto" latinLnBrk="0" hangingPunct="1">
+                            <a:lnSpc>
+                              <a:spcPct val="100000"/>
+                            </a:lnSpc>
+                            <a:spcBef>
+                              <a:spcPts val="0"/>
+                            </a:spcBef>
+                            <a:spcAft>
+                              <a:spcPts val="0"/>
+                            </a:spcAft>
+                            <a:buClrTx/>
+                            <a:buSzTx/>
+                            <a:buFontTx/>
+                            <a:buNone/>
+                            <a:tabLst/>
+                            <a:defRPr/>
+                          </a:pPr>
+                          <a:r>
+                            <a:rPr lang="en-US" altLang="zh-TW" dirty="0" smtClean="0"/>
+                            <a:t>0</a:t>
+                          </a:r>
+                          <a:endParaRPr lang="zh-TW" altLang="en-US" dirty="0" smtClean="0"/>
+                        </a:p>
+                      </a:txBody>
+                      <a:tcPr/>
+                    </a:tc>
+                    <a:tc>
+                      <a:txBody>
+                        <a:bodyPr/>
+                        <a:lstStyle/>
+                        <a:p>
+                          <a:pPr marL="0" marR="0" indent="0" algn="ctr" defTabSz="914400" rtl="0" eaLnBrk="1" fontAlgn="auto" latinLnBrk="0" hangingPunct="1">
+                            <a:lnSpc>
+                              <a:spcPct val="100000"/>
+                            </a:lnSpc>
+                            <a:spcBef>
+                              <a:spcPts val="0"/>
+                            </a:spcBef>
+                            <a:spcAft>
+                              <a:spcPts val="0"/>
+                            </a:spcAft>
+                            <a:buClrTx/>
+                            <a:buSzTx/>
+                            <a:buFontTx/>
+                            <a:buNone/>
+                            <a:tabLst/>
+                            <a:defRPr/>
+                          </a:pPr>
+                          <a:r>
+                            <a:rPr lang="en-US" altLang="zh-TW" dirty="0" smtClean="0"/>
+                            <a:t>0</a:t>
+                          </a:r>
+                          <a:endParaRPr lang="zh-TW" altLang="en-US" dirty="0" smtClean="0"/>
+                        </a:p>
+                      </a:txBody>
+                      <a:tcPr/>
+                    </a:tc>
+                    <a:extLst>
+                      <a:ext uri="{0D108BD9-81ED-4DB2-BD59-A6C34878D82A}">
+                        <a16:rowId xmlns:a16="http://schemas.microsoft.com/office/drawing/2014/main" val="867993054"/>
+                      </a:ext>
+                    </a:extLst>
+                  </a:tr>
+                  <a:tr h="497006">
+                    <a:tc>
+                      <a:txBody>
+                        <a:bodyPr/>
+                        <a:lstStyle/>
+                        <a:p>
+                          <a:pPr marL="0" marR="0" indent="0" algn="ctr" defTabSz="914400" rtl="0" eaLnBrk="1" fontAlgn="auto" latinLnBrk="0" hangingPunct="1">
+                            <a:lnSpc>
+                              <a:spcPct val="100000"/>
+                            </a:lnSpc>
+                            <a:spcBef>
+                              <a:spcPts val="0"/>
+                            </a:spcBef>
+                            <a:spcAft>
+                              <a:spcPts val="0"/>
+                            </a:spcAft>
+                            <a:buClrTx/>
+                            <a:buSzTx/>
+                            <a:buFontTx/>
+                            <a:buNone/>
+                            <a:tabLst/>
+                            <a:defRPr/>
+                          </a:pPr>
+                          <a:r>
+                            <a:rPr lang="en-US" altLang="zh-TW" dirty="0" smtClean="0"/>
+                            <a:t>Rule6</a:t>
+                          </a:r>
+                          <a:endParaRPr lang="zh-TW" altLang="en-US" dirty="0" smtClean="0"/>
+                        </a:p>
+                      </a:txBody>
+                      <a:tcPr/>
+                    </a:tc>
+                    <a:tc>
+                      <a:txBody>
+                        <a:bodyPr/>
+                        <a:lstStyle/>
+                        <a:p>
+                          <a:pPr marL="0" marR="0" indent="0" algn="ctr" defTabSz="914400" rtl="0" eaLnBrk="1" fontAlgn="auto" latinLnBrk="0" hangingPunct="1">
+                            <a:lnSpc>
+                              <a:spcPct val="100000"/>
+                            </a:lnSpc>
+                            <a:spcBef>
+                              <a:spcPts val="0"/>
+                            </a:spcBef>
+                            <a:spcAft>
+                              <a:spcPts val="0"/>
+                            </a:spcAft>
+                            <a:buClrTx/>
+                            <a:buSzTx/>
+                            <a:buFontTx/>
+                            <a:buNone/>
+                            <a:tabLst/>
+                            <a:defRPr/>
+                          </a:pPr>
+                          <a:r>
+                            <a:rPr lang="en-US" altLang="zh-TW" dirty="0" smtClean="0"/>
+                            <a:t>0</a:t>
+                          </a:r>
+                          <a:endParaRPr lang="zh-TW" altLang="en-US" dirty="0" smtClean="0"/>
+                        </a:p>
+                      </a:txBody>
+                      <a:tcPr/>
+                    </a:tc>
+                    <a:tc>
+                      <a:txBody>
+                        <a:bodyPr/>
+                        <a:lstStyle/>
+                        <a:p>
+                          <a:pPr marL="0" marR="0" indent="0" algn="ctr" defTabSz="914400" rtl="0" eaLnBrk="1" fontAlgn="auto" latinLnBrk="0" hangingPunct="1">
+                            <a:lnSpc>
+                              <a:spcPct val="100000"/>
+                            </a:lnSpc>
+                            <a:spcBef>
+                              <a:spcPts val="0"/>
+                            </a:spcBef>
+                            <a:spcAft>
+                              <a:spcPts val="0"/>
+                            </a:spcAft>
+                            <a:buClrTx/>
+                            <a:buSzTx/>
+                            <a:buFontTx/>
+                            <a:buNone/>
+                            <a:tabLst/>
+                            <a:defRPr/>
+                          </a:pPr>
+                          <a:r>
+                            <a:rPr lang="en-US" altLang="zh-TW" dirty="0" smtClean="0"/>
+                            <a:t>0</a:t>
+                          </a:r>
+                          <a:endParaRPr lang="zh-TW" altLang="en-US" dirty="0" smtClean="0"/>
+                        </a:p>
+                      </a:txBody>
+                      <a:tcPr/>
+                    </a:tc>
+                    <a:tc>
+                      <a:txBody>
+                        <a:bodyPr/>
+                        <a:lstStyle/>
+                        <a:p>
+                          <a:pPr marL="0" marR="0" indent="0" algn="ctr" defTabSz="914400" rtl="0" eaLnBrk="1" fontAlgn="auto" latinLnBrk="0" hangingPunct="1">
+                            <a:lnSpc>
+                              <a:spcPct val="100000"/>
+                            </a:lnSpc>
+                            <a:spcBef>
+                              <a:spcPts val="0"/>
+                            </a:spcBef>
+                            <a:spcAft>
+                              <a:spcPts val="0"/>
+                            </a:spcAft>
+                            <a:buClrTx/>
+                            <a:buSzTx/>
+                            <a:buFontTx/>
+                            <a:buNone/>
+                            <a:tabLst/>
+                            <a:defRPr/>
+                          </a:pPr>
+                          <a:r>
+                            <a:rPr lang="en-US" altLang="zh-TW" dirty="0" smtClean="0"/>
+                            <a:t>0</a:t>
+                          </a:r>
+                          <a:endParaRPr lang="zh-TW" altLang="en-US" dirty="0" smtClean="0"/>
+                        </a:p>
+                      </a:txBody>
+                      <a:tcPr/>
+                    </a:tc>
+                    <a:extLst>
+                      <a:ext uri="{0D108BD9-81ED-4DB2-BD59-A6C34878D82A}">
+                        <a16:rowId xmlns:a16="http://schemas.microsoft.com/office/drawing/2014/main" val="859558051"/>
+                      </a:ext>
+                    </a:extLst>
+                  </a:tr>
+                  <a:tr h="497006">
+                    <a:tc>
+                      <a:txBody>
+                        <a:bodyPr/>
+                        <a:lstStyle/>
+                        <a:p>
+                          <a:pPr marL="0" marR="0" indent="0" algn="ctr" defTabSz="914400" rtl="0" eaLnBrk="1" fontAlgn="auto" latinLnBrk="0" hangingPunct="1">
+                            <a:lnSpc>
+                              <a:spcPct val="100000"/>
+                            </a:lnSpc>
+                            <a:spcBef>
+                              <a:spcPts val="0"/>
+                            </a:spcBef>
+                            <a:spcAft>
+                              <a:spcPts val="0"/>
+                            </a:spcAft>
+                            <a:buClrTx/>
+                            <a:buSzTx/>
+                            <a:buFontTx/>
+                            <a:buNone/>
+                            <a:tabLst/>
+                            <a:defRPr/>
+                          </a:pPr>
+                          <a:r>
+                            <a:rPr lang="en-US" altLang="zh-TW" dirty="0" smtClean="0"/>
+                            <a:t>Rule7</a:t>
+                          </a:r>
+                          <a:endParaRPr lang="zh-TW" altLang="en-US" dirty="0" smtClean="0"/>
+                        </a:p>
+                      </a:txBody>
+                      <a:tcPr/>
+                    </a:tc>
+                    <a:tc>
+                      <a:txBody>
+                        <a:bodyPr/>
+                        <a:lstStyle/>
+                        <a:p>
+                          <a:pPr marL="0" marR="0" indent="0" algn="ctr" defTabSz="914400" rtl="0" eaLnBrk="1" fontAlgn="auto" latinLnBrk="0" hangingPunct="1">
+                            <a:lnSpc>
+                              <a:spcPct val="100000"/>
+                            </a:lnSpc>
+                            <a:spcBef>
+                              <a:spcPts val="0"/>
+                            </a:spcBef>
+                            <a:spcAft>
+                              <a:spcPts val="0"/>
+                            </a:spcAft>
+                            <a:buClrTx/>
+                            <a:buSzTx/>
+                            <a:buFontTx/>
+                            <a:buNone/>
+                            <a:tabLst/>
+                            <a:defRPr/>
+                          </a:pPr>
+                          <a:r>
+                            <a:rPr lang="en-US" altLang="zh-TW" dirty="0" smtClean="0"/>
+                            <a:t>0</a:t>
+                          </a:r>
+                          <a:endParaRPr lang="zh-TW" altLang="en-US" dirty="0" smtClean="0"/>
+                        </a:p>
+                      </a:txBody>
+                      <a:tcPr/>
+                    </a:tc>
+                    <a:tc>
+                      <a:txBody>
+                        <a:bodyPr/>
+                        <a:lstStyle/>
+                        <a:p>
+                          <a:pPr marL="0" marR="0" indent="0" algn="ctr" defTabSz="914400" rtl="0" eaLnBrk="1" fontAlgn="auto" latinLnBrk="0" hangingPunct="1">
+                            <a:lnSpc>
+                              <a:spcPct val="100000"/>
+                            </a:lnSpc>
+                            <a:spcBef>
+                              <a:spcPts val="0"/>
+                            </a:spcBef>
+                            <a:spcAft>
+                              <a:spcPts val="0"/>
+                            </a:spcAft>
+                            <a:buClrTx/>
+                            <a:buSzTx/>
+                            <a:buFontTx/>
+                            <a:buNone/>
+                            <a:tabLst/>
+                            <a:defRPr/>
+                          </a:pPr>
+                          <a:r>
+                            <a:rPr lang="en-US" altLang="zh-TW" dirty="0" smtClean="0"/>
+                            <a:t>0</a:t>
+                          </a:r>
+                          <a:endParaRPr lang="zh-TW" altLang="en-US" dirty="0" smtClean="0"/>
+                        </a:p>
+                      </a:txBody>
+                      <a:tcPr/>
+                    </a:tc>
+                    <a:tc>
+                      <a:txBody>
+                        <a:bodyPr/>
+                        <a:lstStyle/>
+                        <a:p>
+                          <a:pPr marL="0" marR="0" indent="0" algn="ctr" defTabSz="914400" rtl="0" eaLnBrk="1" fontAlgn="auto" latinLnBrk="0" hangingPunct="1">
+                            <a:lnSpc>
+                              <a:spcPct val="100000"/>
+                            </a:lnSpc>
+                            <a:spcBef>
+                              <a:spcPts val="0"/>
+                            </a:spcBef>
+                            <a:spcAft>
+                              <a:spcPts val="0"/>
+                            </a:spcAft>
+                            <a:buClrTx/>
+                            <a:buSzTx/>
+                            <a:buFontTx/>
+                            <a:buNone/>
+                            <a:tabLst/>
+                            <a:defRPr/>
+                          </a:pPr>
+                          <a:r>
+                            <a:rPr lang="en-US" altLang="zh-TW" dirty="0" smtClean="0"/>
+                            <a:t>0</a:t>
+                          </a:r>
+                          <a:endParaRPr lang="zh-TW" altLang="en-US" dirty="0" smtClean="0"/>
+                        </a:p>
+                      </a:txBody>
+                      <a:tcPr/>
+                    </a:tc>
+                    <a:extLst>
+                      <a:ext uri="{0D108BD9-81ED-4DB2-BD59-A6C34878D82A}">
+                        <a16:rowId xmlns:a16="http://schemas.microsoft.com/office/drawing/2014/main" val="2906836035"/>
+                      </a:ext>
+                    </a:extLst>
+                  </a:tr>
                 </a:tbl>
               </a:graphicData>
             </a:graphic>
           </p:graphicFrame>
         </mc:Choice>
-        <mc:Fallback xmlns="">
+        <mc:Fallback>
           <p:graphicFrame>
             <p:nvGraphicFramePr>
               <p:cNvPr id="8" name="表格 7"/>
@@ -15693,14 +16201,14 @@
               <p:nvPr>
                 <p:extLst>
                   <p:ext uri="{D42A27DB-BD31-4B8C-83A1-F6EECF244321}">
-                    <p14:modId xmlns:p14="http://schemas.microsoft.com/office/powerpoint/2010/main" val="681320985"/>
+                    <p14:modId xmlns:p14="http://schemas.microsoft.com/office/powerpoint/2010/main" val="1927779588"/>
                   </p:ext>
                 </p:extLst>
               </p:nvPr>
             </p:nvGraphicFramePr>
             <p:xfrm>
               <a:off x="1469297" y="1352511"/>
-              <a:ext cx="9658904" cy="2485030"/>
+              <a:ext cx="9658904" cy="3976048"/>
             </p:xfrm>
             <a:graphic>
               <a:graphicData uri="http://schemas.openxmlformats.org/drawingml/2006/table">
@@ -15766,7 +16274,7 @@
                         <a:blipFill>
                           <a:blip r:embed="rId2"/>
                           <a:stretch>
-                            <a:fillRect l="-99748" t="-6098" r="-199748" b="-400000"/>
+                            <a:fillRect l="-99748" t="-6098" r="-199748" b="-698780"/>
                           </a:stretch>
                         </a:blipFill>
                       </a:tcPr>
@@ -15783,7 +16291,7 @@
                         <a:blipFill>
                           <a:blip r:embed="rId2"/>
                           <a:stretch>
-                            <a:fillRect l="-200253" t="-6098" r="-100253" b="-400000"/>
+                            <a:fillRect l="-200253" t="-6098" r="-100253" b="-698780"/>
                           </a:stretch>
                         </a:blipFill>
                       </a:tcPr>
@@ -15800,7 +16308,7 @@
                         <a:blipFill>
                           <a:blip r:embed="rId2"/>
                           <a:stretch>
-                            <a:fillRect l="-300253" t="-6098" r="-253" b="-400000"/>
+                            <a:fillRect l="-300253" t="-6098" r="-253" b="-698780"/>
                           </a:stretch>
                         </a:blipFill>
                       </a:tcPr>
@@ -16300,6 +16808,399 @@
                     <a:extLst>
                       <a:ext uri="{0D108BD9-81ED-4DB2-BD59-A6C34878D82A}">
                         <a16:rowId xmlns:a16="http://schemas.microsoft.com/office/drawing/2014/main" val="10004"/>
+                      </a:ext>
+                    </a:extLst>
+                  </a:tr>
+                  <a:tr h="497006">
+                    <a:tc>
+                      <a:txBody>
+                        <a:bodyPr/>
+                        <a:lstStyle/>
+                        <a:p>
+                          <a:pPr marL="0" marR="0" indent="0" algn="ctr" defTabSz="914400" rtl="0" eaLnBrk="1" fontAlgn="auto" latinLnBrk="0" hangingPunct="1">
+                            <a:lnSpc>
+                              <a:spcPct val="100000"/>
+                            </a:lnSpc>
+                            <a:spcBef>
+                              <a:spcPts val="0"/>
+                            </a:spcBef>
+                            <a:spcAft>
+                              <a:spcPts val="0"/>
+                            </a:spcAft>
+                            <a:buClrTx/>
+                            <a:buSzTx/>
+                            <a:buFontTx/>
+                            <a:buNone/>
+                            <a:tabLst/>
+                            <a:defRPr/>
+                          </a:pPr>
+                          <a:r>
+                            <a:rPr lang="en-US" altLang="zh-TW" dirty="0" smtClean="0"/>
+                            <a:t>Rule5</a:t>
+                          </a:r>
+                          <a:endParaRPr lang="zh-TW" altLang="en-US" dirty="0" smtClean="0"/>
+                        </a:p>
+                      </a:txBody>
+                      <a:tcPr/>
+                    </a:tc>
+                    <a:tc>
+                      <a:txBody>
+                        <a:bodyPr/>
+                        <a:lstStyle/>
+                        <a:p>
+                          <a:pPr marL="0" marR="0" indent="0" algn="ctr" defTabSz="914400" rtl="0" eaLnBrk="1" fontAlgn="auto" latinLnBrk="0" hangingPunct="1">
+                            <a:lnSpc>
+                              <a:spcPct val="100000"/>
+                            </a:lnSpc>
+                            <a:spcBef>
+                              <a:spcPts val="0"/>
+                            </a:spcBef>
+                            <a:spcAft>
+                              <a:spcPts val="0"/>
+                            </a:spcAft>
+                            <a:buClrTx/>
+                            <a:buSzTx/>
+                            <a:buFontTx/>
+                            <a:buNone/>
+                            <a:tabLst/>
+                            <a:defRPr/>
+                          </a:pPr>
+                          <a:r>
+                            <a:rPr lang="en-US" altLang="zh-TW" dirty="0" smtClean="0"/>
+                            <a:t>0</a:t>
+                          </a:r>
+                          <a:endParaRPr lang="zh-TW" altLang="en-US" dirty="0" smtClean="0"/>
+                        </a:p>
+                      </a:txBody>
+                      <a:tcPr/>
+                    </a:tc>
+                    <a:tc>
+                      <a:txBody>
+                        <a:bodyPr/>
+                        <a:lstStyle/>
+                        <a:p>
+                          <a:pPr marL="0" marR="0" indent="0" algn="ctr" defTabSz="914400" rtl="0" eaLnBrk="1" fontAlgn="auto" latinLnBrk="0" hangingPunct="1">
+                            <a:lnSpc>
+                              <a:spcPct val="100000"/>
+                            </a:lnSpc>
+                            <a:spcBef>
+                              <a:spcPts val="0"/>
+                            </a:spcBef>
+                            <a:spcAft>
+                              <a:spcPts val="0"/>
+                            </a:spcAft>
+                            <a:buClrTx/>
+                            <a:buSzTx/>
+                            <a:buFontTx/>
+                            <a:buNone/>
+                            <a:tabLst/>
+                            <a:defRPr/>
+                          </a:pPr>
+                          <a:r>
+                            <a:rPr lang="en-US" altLang="zh-TW" dirty="0" smtClean="0"/>
+                            <a:t>0</a:t>
+                          </a:r>
+                          <a:endParaRPr lang="zh-TW" altLang="en-US" dirty="0" smtClean="0"/>
+                        </a:p>
+                      </a:txBody>
+                      <a:tcPr/>
+                    </a:tc>
+                    <a:tc>
+                      <a:txBody>
+                        <a:bodyPr/>
+                        <a:lstStyle/>
+                        <a:p>
+                          <a:pPr marL="0" marR="0" indent="0" algn="ctr" defTabSz="914400" rtl="0" eaLnBrk="1" fontAlgn="auto" latinLnBrk="0" hangingPunct="1">
+                            <a:lnSpc>
+                              <a:spcPct val="100000"/>
+                            </a:lnSpc>
+                            <a:spcBef>
+                              <a:spcPts val="0"/>
+                            </a:spcBef>
+                            <a:spcAft>
+                              <a:spcPts val="0"/>
+                            </a:spcAft>
+                            <a:buClrTx/>
+                            <a:buSzTx/>
+                            <a:buFontTx/>
+                            <a:buNone/>
+                            <a:tabLst/>
+                            <a:defRPr/>
+                          </a:pPr>
+                          <a:r>
+                            <a:rPr lang="en-US" altLang="zh-TW" dirty="0" smtClean="0"/>
+                            <a:t>0</a:t>
+                          </a:r>
+                          <a:endParaRPr lang="zh-TW" altLang="en-US" dirty="0" smtClean="0"/>
+                        </a:p>
+                      </a:txBody>
+                      <a:tcPr/>
+                    </a:tc>
+                    <a:extLst>
+                      <a:ext uri="{0D108BD9-81ED-4DB2-BD59-A6C34878D82A}">
+                        <a16:rowId xmlns:a16="http://schemas.microsoft.com/office/drawing/2014/main" val="867993054"/>
+                      </a:ext>
+                    </a:extLst>
+                  </a:tr>
+                  <a:tr h="497006">
+                    <a:tc>
+                      <a:txBody>
+                        <a:bodyPr/>
+                        <a:lstStyle/>
+                        <a:p>
+                          <a:pPr marL="0" marR="0" indent="0" algn="ctr" defTabSz="914400" rtl="0" eaLnBrk="1" fontAlgn="auto" latinLnBrk="0" hangingPunct="1">
+                            <a:lnSpc>
+                              <a:spcPct val="100000"/>
+                            </a:lnSpc>
+                            <a:spcBef>
+                              <a:spcPts val="0"/>
+                            </a:spcBef>
+                            <a:spcAft>
+                              <a:spcPts val="0"/>
+                            </a:spcAft>
+                            <a:buClrTx/>
+                            <a:buSzTx/>
+                            <a:buFontTx/>
+                            <a:buNone/>
+                            <a:tabLst/>
+                            <a:defRPr/>
+                          </a:pPr>
+                          <a:r>
+                            <a:rPr lang="en-US" altLang="zh-TW" dirty="0" smtClean="0"/>
+                            <a:t>Rule6</a:t>
+                          </a:r>
+                          <a:endParaRPr lang="zh-TW" altLang="en-US" dirty="0" smtClean="0"/>
+                        </a:p>
+                      </a:txBody>
+                      <a:tcPr/>
+                    </a:tc>
+                    <a:tc>
+                      <a:txBody>
+                        <a:bodyPr/>
+                        <a:lstStyle/>
+                        <a:p>
+                          <a:pPr marL="0" marR="0" indent="0" algn="ctr" defTabSz="914400" rtl="0" eaLnBrk="1" fontAlgn="auto" latinLnBrk="0" hangingPunct="1">
+                            <a:lnSpc>
+                              <a:spcPct val="100000"/>
+                            </a:lnSpc>
+                            <a:spcBef>
+                              <a:spcPts val="0"/>
+                            </a:spcBef>
+                            <a:spcAft>
+                              <a:spcPts val="0"/>
+                            </a:spcAft>
+                            <a:buClrTx/>
+                            <a:buSzTx/>
+                            <a:buFontTx/>
+                            <a:buNone/>
+                            <a:tabLst/>
+                            <a:defRPr/>
+                          </a:pPr>
+                          <a:r>
+                            <a:rPr lang="en-US" altLang="zh-TW" dirty="0" smtClean="0"/>
+                            <a:t>0</a:t>
+                          </a:r>
+                          <a:endParaRPr lang="zh-TW" altLang="en-US" dirty="0" smtClean="0"/>
+                        </a:p>
+                      </a:txBody>
+                      <a:tcPr/>
+                    </a:tc>
+                    <a:tc>
+                      <a:txBody>
+                        <a:bodyPr/>
+                        <a:lstStyle/>
+                        <a:p>
+                          <a:pPr marL="0" marR="0" indent="0" algn="ctr" defTabSz="914400" rtl="0" eaLnBrk="1" fontAlgn="auto" latinLnBrk="0" hangingPunct="1">
+                            <a:lnSpc>
+                              <a:spcPct val="100000"/>
+                            </a:lnSpc>
+                            <a:spcBef>
+                              <a:spcPts val="0"/>
+                            </a:spcBef>
+                            <a:spcAft>
+                              <a:spcPts val="0"/>
+                            </a:spcAft>
+                            <a:buClrTx/>
+                            <a:buSzTx/>
+                            <a:buFontTx/>
+                            <a:buNone/>
+                            <a:tabLst/>
+                            <a:defRPr/>
+                          </a:pPr>
+                          <a:r>
+                            <a:rPr lang="en-US" altLang="zh-TW" dirty="0" smtClean="0"/>
+                            <a:t>0</a:t>
+                          </a:r>
+                          <a:endParaRPr lang="zh-TW" altLang="en-US" dirty="0" smtClean="0"/>
+                        </a:p>
+                      </a:txBody>
+                      <a:tcPr/>
+                    </a:tc>
+                    <a:tc>
+                      <a:txBody>
+                        <a:bodyPr/>
+                        <a:lstStyle/>
+                        <a:p>
+                          <a:pPr marL="0" marR="0" indent="0" algn="ctr" defTabSz="914400" rtl="0" eaLnBrk="1" fontAlgn="auto" latinLnBrk="0" hangingPunct="1">
+                            <a:lnSpc>
+                              <a:spcPct val="100000"/>
+                            </a:lnSpc>
+                            <a:spcBef>
+                              <a:spcPts val="0"/>
+                            </a:spcBef>
+                            <a:spcAft>
+                              <a:spcPts val="0"/>
+                            </a:spcAft>
+                            <a:buClrTx/>
+                            <a:buSzTx/>
+                            <a:buFontTx/>
+                            <a:buNone/>
+                            <a:tabLst/>
+                            <a:defRPr/>
+                          </a:pPr>
+                          <a:r>
+                            <a:rPr lang="en-US" altLang="zh-TW" dirty="0" smtClean="0"/>
+                            <a:t>0</a:t>
+                          </a:r>
+                          <a:endParaRPr lang="zh-TW" altLang="en-US" dirty="0" smtClean="0"/>
+                        </a:p>
+                      </a:txBody>
+                      <a:tcPr/>
+                    </a:tc>
+                    <a:extLst>
+                      <a:ext uri="{0D108BD9-81ED-4DB2-BD59-A6C34878D82A}">
+                        <a16:rowId xmlns:a16="http://schemas.microsoft.com/office/drawing/2014/main" val="859558051"/>
+                      </a:ext>
+                    </a:extLst>
+                  </a:tr>
+                  <a:tr h="497006">
+                    <a:tc>
+                      <a:txBody>
+                        <a:bodyPr/>
+                        <a:lstStyle/>
+                        <a:p>
+                          <a:pPr marL="0" marR="0" indent="0" algn="ctr" defTabSz="914400" rtl="0" eaLnBrk="1" fontAlgn="auto" latinLnBrk="0" hangingPunct="1">
+                            <a:lnSpc>
+                              <a:spcPct val="100000"/>
+                            </a:lnSpc>
+                            <a:spcBef>
+                              <a:spcPts val="0"/>
+                            </a:spcBef>
+                            <a:spcAft>
+                              <a:spcPts val="0"/>
+                            </a:spcAft>
+                            <a:buClrTx/>
+                            <a:buSzTx/>
+                            <a:buFontTx/>
+                            <a:buNone/>
+                            <a:tabLst/>
+                            <a:defRPr/>
+                          </a:pPr>
+                          <a:r>
+                            <a:rPr lang="en-US" altLang="zh-TW" dirty="0" smtClean="0"/>
+                            <a:t>Rule7</a:t>
+                          </a:r>
+                          <a:endParaRPr lang="zh-TW" altLang="en-US" dirty="0" smtClean="0"/>
+                        </a:p>
+                      </a:txBody>
+                      <a:tcPr/>
+                    </a:tc>
+                    <a:tc>
+                      <a:txBody>
+                        <a:bodyPr/>
+                        <a:lstStyle/>
+                        <a:p>
+                          <a:pPr marL="0" marR="0" indent="0" algn="ctr" defTabSz="914400" rtl="0" eaLnBrk="1" fontAlgn="auto" latinLnBrk="0" hangingPunct="1">
+                            <a:lnSpc>
+                              <a:spcPct val="100000"/>
+                            </a:lnSpc>
+                            <a:spcBef>
+                              <a:spcPts val="0"/>
+                            </a:spcBef>
+                            <a:spcAft>
+                              <a:spcPts val="0"/>
+                            </a:spcAft>
+                            <a:buClrTx/>
+                            <a:buSzTx/>
+                            <a:buFontTx/>
+                            <a:buNone/>
+                            <a:tabLst/>
+                            <a:defRPr/>
+                          </a:pPr>
+                          <a:r>
+                            <a:rPr lang="en-US" altLang="zh-TW" dirty="0" smtClean="0"/>
+                            <a:t>0</a:t>
+                          </a:r>
+                          <a:endParaRPr lang="zh-TW" altLang="en-US" dirty="0" smtClean="0"/>
+                        </a:p>
+                      </a:txBody>
+                      <a:tcPr/>
+                    </a:tc>
+                    <a:tc>
+                      <a:txBody>
+                        <a:bodyPr/>
+                        <a:lstStyle/>
+                        <a:p>
+                          <a:pPr marL="0" marR="0" indent="0" algn="ctr" defTabSz="914400" rtl="0" eaLnBrk="1" fontAlgn="auto" latinLnBrk="0" hangingPunct="1">
+                            <a:lnSpc>
+                              <a:spcPct val="100000"/>
+                            </a:lnSpc>
+                            <a:spcBef>
+                              <a:spcPts val="0"/>
+                            </a:spcBef>
+                            <a:spcAft>
+                              <a:spcPts val="0"/>
+                            </a:spcAft>
+                            <a:buClrTx/>
+                            <a:buSzTx/>
+                            <a:buFontTx/>
+                            <a:buNone/>
+                            <a:tabLst/>
+                            <a:defRPr/>
+                          </a:pPr>
+                          <a:r>
+                            <a:rPr lang="en-US" altLang="zh-TW" dirty="0" smtClean="0"/>
+                            <a:t>0</a:t>
+                          </a:r>
+                          <a:endParaRPr lang="zh-TW" altLang="en-US" dirty="0" smtClean="0"/>
+                        </a:p>
+                      </a:txBody>
+                      <a:tcPr/>
+                    </a:tc>
+                    <a:tc>
+                      <a:txBody>
+                        <a:bodyPr/>
+                        <a:lstStyle/>
+                        <a:p>
+                          <a:pPr marL="0" marR="0" indent="0" algn="ctr" defTabSz="914400" rtl="0" eaLnBrk="1" fontAlgn="auto" latinLnBrk="0" hangingPunct="1">
+                            <a:lnSpc>
+                              <a:spcPct val="100000"/>
+                            </a:lnSpc>
+                            <a:spcBef>
+                              <a:spcPts val="0"/>
+                            </a:spcBef>
+                            <a:spcAft>
+                              <a:spcPts val="0"/>
+                            </a:spcAft>
+                            <a:buClrTx/>
+                            <a:buSzTx/>
+                            <a:buFontTx/>
+                            <a:buNone/>
+                            <a:tabLst/>
+                            <a:defRPr/>
+                          </a:pPr>
+                          <a:r>
+                            <a:rPr lang="en-US" altLang="zh-TW" dirty="0" smtClean="0"/>
+                            <a:t>0</a:t>
+                          </a:r>
+                          <a:endParaRPr lang="zh-TW" altLang="en-US" dirty="0" smtClean="0"/>
+                        </a:p>
+                      </a:txBody>
+                      <a:tcPr/>
+                    </a:tc>
+                    <a:extLst>
+                      <a:ext uri="{0D108BD9-81ED-4DB2-BD59-A6C34878D82A}">
+                        <a16:rowId xmlns:a16="http://schemas.microsoft.com/office/drawing/2014/main" val="2906836035"/>
                       </a:ext>
                     </a:extLst>
                   </a:tr>
